--- a/Google Play Resources/Other Graphic Assets/Other Graphic Assets.pptx
+++ b/Google Play Resources/Other Graphic Assets/Other Graphic Assets.pptx
@@ -6,6 +6,7 @@
   </p:sldMasterIdLst>
   <p:sldIdLst>
     <p:sldId id="256" r:id="rId2"/>
+    <p:sldId id="257" r:id="rId3"/>
   </p:sldIdLst>
   <p:sldSz cx="9144000" cy="6858000" type="screen4x3"/>
   <p:notesSz cx="6858000" cy="9144000"/>
@@ -288,7 +289,8 @@
           <a:p>
             <a:fld id="{AF767A14-8137-4CCC-A87B-F3AA7247CDD5}" type="datetimeFigureOut">
               <a:rPr lang="en-US" smtClean="0"/>
-              <a:t>1/25/2015</a:t>
+              <a:pPr/>
+              <a:t>5/7/2015</a:t>
             </a:fld>
             <a:endParaRPr lang="en-GB"/>
           </a:p>
@@ -330,6 +332,7 @@
           <a:p>
             <a:fld id="{7300F120-8CD6-47C5-9948-3670108931F9}" type="slidenum">
               <a:rPr lang="en-GB" smtClean="0"/>
+              <a:pPr/>
               <a:t>‹#›</a:t>
             </a:fld>
             <a:endParaRPr lang="en-GB"/>
@@ -453,7 +456,8 @@
           <a:p>
             <a:fld id="{AF767A14-8137-4CCC-A87B-F3AA7247CDD5}" type="datetimeFigureOut">
               <a:rPr lang="en-US" smtClean="0"/>
-              <a:t>1/25/2015</a:t>
+              <a:pPr/>
+              <a:t>5/7/2015</a:t>
             </a:fld>
             <a:endParaRPr lang="en-GB"/>
           </a:p>
@@ -495,6 +499,7 @@
           <a:p>
             <a:fld id="{7300F120-8CD6-47C5-9948-3670108931F9}" type="slidenum">
               <a:rPr lang="en-GB" smtClean="0"/>
+              <a:pPr/>
               <a:t>‹#›</a:t>
             </a:fld>
             <a:endParaRPr lang="en-GB"/>
@@ -628,7 +633,8 @@
           <a:p>
             <a:fld id="{AF767A14-8137-4CCC-A87B-F3AA7247CDD5}" type="datetimeFigureOut">
               <a:rPr lang="en-US" smtClean="0"/>
-              <a:t>1/25/2015</a:t>
+              <a:pPr/>
+              <a:t>5/7/2015</a:t>
             </a:fld>
             <a:endParaRPr lang="en-GB"/>
           </a:p>
@@ -670,6 +676,7 @@
           <a:p>
             <a:fld id="{7300F120-8CD6-47C5-9948-3670108931F9}" type="slidenum">
               <a:rPr lang="en-GB" smtClean="0"/>
+              <a:pPr/>
               <a:t>‹#›</a:t>
             </a:fld>
             <a:endParaRPr lang="en-GB"/>
@@ -793,7 +800,8 @@
           <a:p>
             <a:fld id="{AF767A14-8137-4CCC-A87B-F3AA7247CDD5}" type="datetimeFigureOut">
               <a:rPr lang="en-US" smtClean="0"/>
-              <a:t>1/25/2015</a:t>
+              <a:pPr/>
+              <a:t>5/7/2015</a:t>
             </a:fld>
             <a:endParaRPr lang="en-GB"/>
           </a:p>
@@ -835,6 +843,7 @@
           <a:p>
             <a:fld id="{7300F120-8CD6-47C5-9948-3670108931F9}" type="slidenum">
               <a:rPr lang="en-GB" smtClean="0"/>
+              <a:pPr/>
               <a:t>‹#›</a:t>
             </a:fld>
             <a:endParaRPr lang="en-GB"/>
@@ -1034,7 +1043,8 @@
           <a:p>
             <a:fld id="{AF767A14-8137-4CCC-A87B-F3AA7247CDD5}" type="datetimeFigureOut">
               <a:rPr lang="en-US" smtClean="0"/>
-              <a:t>1/25/2015</a:t>
+              <a:pPr/>
+              <a:t>5/7/2015</a:t>
             </a:fld>
             <a:endParaRPr lang="en-GB"/>
           </a:p>
@@ -1076,6 +1086,7 @@
           <a:p>
             <a:fld id="{7300F120-8CD6-47C5-9948-3670108931F9}" type="slidenum">
               <a:rPr lang="en-GB" smtClean="0"/>
+              <a:pPr/>
               <a:t>‹#›</a:t>
             </a:fld>
             <a:endParaRPr lang="en-GB"/>
@@ -1317,7 +1328,8 @@
           <a:p>
             <a:fld id="{AF767A14-8137-4CCC-A87B-F3AA7247CDD5}" type="datetimeFigureOut">
               <a:rPr lang="en-US" smtClean="0"/>
-              <a:t>1/25/2015</a:t>
+              <a:pPr/>
+              <a:t>5/7/2015</a:t>
             </a:fld>
             <a:endParaRPr lang="en-GB"/>
           </a:p>
@@ -1359,6 +1371,7 @@
           <a:p>
             <a:fld id="{7300F120-8CD6-47C5-9948-3670108931F9}" type="slidenum">
               <a:rPr lang="en-GB" smtClean="0"/>
+              <a:pPr/>
               <a:t>‹#›</a:t>
             </a:fld>
             <a:endParaRPr lang="en-GB"/>
@@ -1734,7 +1747,8 @@
           <a:p>
             <a:fld id="{AF767A14-8137-4CCC-A87B-F3AA7247CDD5}" type="datetimeFigureOut">
               <a:rPr lang="en-US" smtClean="0"/>
-              <a:t>1/25/2015</a:t>
+              <a:pPr/>
+              <a:t>5/7/2015</a:t>
             </a:fld>
             <a:endParaRPr lang="en-GB"/>
           </a:p>
@@ -1776,6 +1790,7 @@
           <a:p>
             <a:fld id="{7300F120-8CD6-47C5-9948-3670108931F9}" type="slidenum">
               <a:rPr lang="en-GB" smtClean="0"/>
+              <a:pPr/>
               <a:t>‹#›</a:t>
             </a:fld>
             <a:endParaRPr lang="en-GB"/>
@@ -1847,7 +1862,8 @@
           <a:p>
             <a:fld id="{AF767A14-8137-4CCC-A87B-F3AA7247CDD5}" type="datetimeFigureOut">
               <a:rPr lang="en-US" smtClean="0"/>
-              <a:t>1/25/2015</a:t>
+              <a:pPr/>
+              <a:t>5/7/2015</a:t>
             </a:fld>
             <a:endParaRPr lang="en-GB"/>
           </a:p>
@@ -1889,6 +1905,7 @@
           <a:p>
             <a:fld id="{7300F120-8CD6-47C5-9948-3670108931F9}" type="slidenum">
               <a:rPr lang="en-GB" smtClean="0"/>
+              <a:pPr/>
               <a:t>‹#›</a:t>
             </a:fld>
             <a:endParaRPr lang="en-GB"/>
@@ -1937,7 +1954,8 @@
           <a:p>
             <a:fld id="{AF767A14-8137-4CCC-A87B-F3AA7247CDD5}" type="datetimeFigureOut">
               <a:rPr lang="en-US" smtClean="0"/>
-              <a:t>1/25/2015</a:t>
+              <a:pPr/>
+              <a:t>5/7/2015</a:t>
             </a:fld>
             <a:endParaRPr lang="en-GB"/>
           </a:p>
@@ -1979,6 +1997,7 @@
           <a:p>
             <a:fld id="{7300F120-8CD6-47C5-9948-3670108931F9}" type="slidenum">
               <a:rPr lang="en-GB" smtClean="0"/>
+              <a:pPr/>
               <a:t>‹#›</a:t>
             </a:fld>
             <a:endParaRPr lang="en-GB"/>
@@ -2209,7 +2228,8 @@
           <a:p>
             <a:fld id="{AF767A14-8137-4CCC-A87B-F3AA7247CDD5}" type="datetimeFigureOut">
               <a:rPr lang="en-US" smtClean="0"/>
-              <a:t>1/25/2015</a:t>
+              <a:pPr/>
+              <a:t>5/7/2015</a:t>
             </a:fld>
             <a:endParaRPr lang="en-GB"/>
           </a:p>
@@ -2251,6 +2271,7 @@
           <a:p>
             <a:fld id="{7300F120-8CD6-47C5-9948-3670108931F9}" type="slidenum">
               <a:rPr lang="en-GB" smtClean="0"/>
+              <a:pPr/>
               <a:t>‹#›</a:t>
             </a:fld>
             <a:endParaRPr lang="en-GB"/>
@@ -2457,7 +2478,8 @@
           <a:p>
             <a:fld id="{AF767A14-8137-4CCC-A87B-F3AA7247CDD5}" type="datetimeFigureOut">
               <a:rPr lang="en-US" smtClean="0"/>
-              <a:t>1/25/2015</a:t>
+              <a:pPr/>
+              <a:t>5/7/2015</a:t>
             </a:fld>
             <a:endParaRPr lang="en-GB"/>
           </a:p>
@@ -2499,6 +2521,7 @@
           <a:p>
             <a:fld id="{7300F120-8CD6-47C5-9948-3670108931F9}" type="slidenum">
               <a:rPr lang="en-GB" smtClean="0"/>
+              <a:pPr/>
               <a:t>‹#›</a:t>
             </a:fld>
             <a:endParaRPr lang="en-GB"/>
@@ -2670,7 +2693,8 @@
           <a:p>
             <a:fld id="{AF767A14-8137-4CCC-A87B-F3AA7247CDD5}" type="datetimeFigureOut">
               <a:rPr lang="en-US" smtClean="0"/>
-              <a:t>1/25/2015</a:t>
+              <a:pPr/>
+              <a:t>5/7/2015</a:t>
             </a:fld>
             <a:endParaRPr lang="en-GB"/>
           </a:p>
@@ -2748,6 +2772,7 @@
           <a:p>
             <a:fld id="{7300F120-8CD6-47C5-9948-3670108931F9}" type="slidenum">
               <a:rPr lang="en-GB" smtClean="0"/>
+              <a:pPr/>
               <a:t>‹#›</a:t>
             </a:fld>
             <a:endParaRPr lang="en-GB"/>
@@ -3024,6 +3049,175 @@
 </file>
 
 <file path=ppt/slides/slide1.xml><?xml version="1.0" encoding="utf-8"?>
+<p:sld xmlns:a="http://schemas.openxmlformats.org/drawingml/2006/main" xmlns:r="http://schemas.openxmlformats.org/officeDocument/2006/relationships" xmlns:p="http://schemas.openxmlformats.org/presentationml/2006/main">
+  <p:cSld>
+    <p:spTree>
+      <p:nvGrpSpPr>
+        <p:cNvPr id="1" name=""/>
+        <p:cNvGrpSpPr/>
+        <p:nvPr/>
+      </p:nvGrpSpPr>
+      <p:grpSpPr>
+        <a:xfrm>
+          <a:off x="0" y="0"/>
+          <a:ext cx="0" cy="0"/>
+          <a:chOff x="0" y="0"/>
+          <a:chExt cx="0" cy="0"/>
+        </a:xfrm>
+      </p:grpSpPr>
+      <p:sp>
+        <p:nvSpPr>
+          <p:cNvPr id="4" name="Rectangle 3"/>
+          <p:cNvSpPr/>
+          <p:nvPr/>
+        </p:nvSpPr>
+        <p:spPr>
+          <a:xfrm>
+            <a:off x="357158" y="1857364"/>
+            <a:ext cx="5214974" cy="2400657"/>
+          </a:xfrm>
+          <a:prstGeom prst="rect">
+            <a:avLst/>
+          </a:prstGeom>
+          <a:noFill/>
+        </p:spPr>
+        <p:txBody>
+          <a:bodyPr wrap="square" lIns="91440" tIns="45720" rIns="91440" bIns="45720">
+            <a:spAutoFit/>
+          </a:bodyPr>
+          <a:lstStyle/>
+          <a:p>
+            <a:pPr algn="ctr"/>
+            <a:r>
+              <a:rPr lang="en-US" sz="7500" b="1" spc="50" dirty="0" smtClean="0">
+                <a:ln w="12700" cmpd="sng">
+                  <a:solidFill>
+                    <a:schemeClr val="accent6">
+                      <a:satMod val="120000"/>
+                      <a:shade val="80000"/>
+                    </a:schemeClr>
+                  </a:solidFill>
+                  <a:prstDash val="solid"/>
+                </a:ln>
+                <a:solidFill>
+                  <a:schemeClr val="accent6">
+                    <a:tint val="1000"/>
+                  </a:schemeClr>
+                </a:solidFill>
+                <a:effectLst>
+                  <a:glow rad="53100">
+                    <a:schemeClr val="accent6">
+                      <a:satMod val="180000"/>
+                      <a:alpha val="30000"/>
+                    </a:schemeClr>
+                  </a:glow>
+                </a:effectLst>
+                <a:latin typeface="Monotype Corsiva" pitchFamily="66" charset="0"/>
+                <a:cs typeface="Times New Roman" pitchFamily="18" charset="0"/>
+              </a:rPr>
+              <a:t>FINANCE</a:t>
+            </a:r>
+          </a:p>
+          <a:p>
+            <a:pPr algn="ctr"/>
+            <a:r>
+              <a:rPr lang="en-US" sz="7500" b="1" spc="50" dirty="0" smtClean="0">
+                <a:ln w="12700" cmpd="sng">
+                  <a:solidFill>
+                    <a:schemeClr val="accent6">
+                      <a:satMod val="120000"/>
+                      <a:shade val="80000"/>
+                    </a:schemeClr>
+                  </a:solidFill>
+                  <a:prstDash val="solid"/>
+                </a:ln>
+                <a:solidFill>
+                  <a:schemeClr val="accent6">
+                    <a:tint val="1000"/>
+                  </a:schemeClr>
+                </a:solidFill>
+                <a:effectLst>
+                  <a:glow rad="53100">
+                    <a:schemeClr val="accent6">
+                      <a:satMod val="180000"/>
+                      <a:alpha val="30000"/>
+                    </a:schemeClr>
+                  </a:glow>
+                </a:effectLst>
+                <a:latin typeface="Monotype Corsiva" pitchFamily="66" charset="0"/>
+                <a:cs typeface="Times New Roman" pitchFamily="18" charset="0"/>
+              </a:rPr>
+              <a:t>MANAGER</a:t>
+            </a:r>
+            <a:endParaRPr lang="en-US" sz="7500" b="1" spc="50" dirty="0">
+              <a:ln w="12700" cmpd="sng">
+                <a:solidFill>
+                  <a:schemeClr val="accent6">
+                    <a:satMod val="120000"/>
+                    <a:shade val="80000"/>
+                  </a:schemeClr>
+                </a:solidFill>
+                <a:prstDash val="solid"/>
+              </a:ln>
+              <a:solidFill>
+                <a:schemeClr val="accent6">
+                  <a:tint val="1000"/>
+                </a:schemeClr>
+              </a:solidFill>
+              <a:effectLst>
+                <a:glow rad="53100">
+                  <a:schemeClr val="accent6">
+                    <a:satMod val="180000"/>
+                    <a:alpha val="30000"/>
+                  </a:schemeClr>
+                </a:glow>
+              </a:effectLst>
+              <a:latin typeface="Monotype Corsiva" pitchFamily="66" charset="0"/>
+              <a:cs typeface="Times New Roman" pitchFamily="18" charset="0"/>
+            </a:endParaRPr>
+          </a:p>
+        </p:txBody>
+      </p:sp>
+      <p:pic>
+        <p:nvPicPr>
+          <p:cNvPr id="5" name="Picture 4" descr="high_res_icon 512x512.png"/>
+          <p:cNvPicPr>
+            <a:picLocks noChangeAspect="1"/>
+          </p:cNvPicPr>
+          <p:nvPr/>
+        </p:nvPicPr>
+        <p:blipFill>
+          <a:blip r:embed="rId2" cstate="print"/>
+          <a:stretch>
+            <a:fillRect/>
+          </a:stretch>
+        </p:blipFill>
+        <p:spPr>
+          <a:xfrm>
+            <a:off x="6715140" y="2214554"/>
+            <a:ext cx="1509706" cy="1509706"/>
+          </a:xfrm>
+          <a:prstGeom prst="rect">
+            <a:avLst/>
+          </a:prstGeom>
+        </p:spPr>
+      </p:pic>
+    </p:spTree>
+  </p:cSld>
+  <p:clrMapOvr>
+    <a:masterClrMapping/>
+  </p:clrMapOvr>
+  <p:timing>
+    <p:tnLst>
+      <p:par>
+        <p:cTn id="1" dur="indefinite" restart="never" nodeType="tmRoot"/>
+      </p:par>
+    </p:tnLst>
+  </p:timing>
+</p:sld>
+</file>
+
+<file path=ppt/slides/slide2.xml><?xml version="1.0" encoding="utf-8"?>
 <p:sld xmlns:a="http://schemas.openxmlformats.org/drawingml/2006/main" xmlns:r="http://schemas.openxmlformats.org/officeDocument/2006/relationships" xmlns:p="http://schemas.openxmlformats.org/presentationml/2006/main">
   <p:cSld>
     <p:spTree>
